--- a/331-HTTP 통신/331-2.json.pptx
+++ b/331-HTTP 통신/331-2.json.pptx
@@ -271,7 +271,7 @@
           <a:p>
             <a:fld id="{04619E9B-E707-49D5-A22E-9F83B74E6AC0}" type="datetimeFigureOut">
               <a:rPr lang="ko-KR" altLang="en-US" smtClean="0"/>
-              <a:t>2023-05-21</a:t>
+              <a:t>2023-05-29</a:t>
             </a:fld>
             <a:endParaRPr lang="ko-KR" altLang="en-US"/>
           </a:p>
@@ -469,7 +469,7 @@
           <a:p>
             <a:fld id="{04619E9B-E707-49D5-A22E-9F83B74E6AC0}" type="datetimeFigureOut">
               <a:rPr lang="ko-KR" altLang="en-US" smtClean="0"/>
-              <a:t>2023-05-21</a:t>
+              <a:t>2023-05-29</a:t>
             </a:fld>
             <a:endParaRPr lang="ko-KR" altLang="en-US"/>
           </a:p>
@@ -677,7 +677,7 @@
           <a:p>
             <a:fld id="{04619E9B-E707-49D5-A22E-9F83B74E6AC0}" type="datetimeFigureOut">
               <a:rPr lang="ko-KR" altLang="en-US" smtClean="0"/>
-              <a:t>2023-05-21</a:t>
+              <a:t>2023-05-29</a:t>
             </a:fld>
             <a:endParaRPr lang="ko-KR" altLang="en-US"/>
           </a:p>
@@ -875,7 +875,7 @@
           <a:p>
             <a:fld id="{04619E9B-E707-49D5-A22E-9F83B74E6AC0}" type="datetimeFigureOut">
               <a:rPr lang="ko-KR" altLang="en-US" smtClean="0"/>
-              <a:t>2023-05-21</a:t>
+              <a:t>2023-05-29</a:t>
             </a:fld>
             <a:endParaRPr lang="ko-KR" altLang="en-US"/>
           </a:p>
@@ -1150,7 +1150,7 @@
           <a:p>
             <a:fld id="{04619E9B-E707-49D5-A22E-9F83B74E6AC0}" type="datetimeFigureOut">
               <a:rPr lang="ko-KR" altLang="en-US" smtClean="0"/>
-              <a:t>2023-05-21</a:t>
+              <a:t>2023-05-29</a:t>
             </a:fld>
             <a:endParaRPr lang="ko-KR" altLang="en-US"/>
           </a:p>
@@ -1415,7 +1415,7 @@
           <a:p>
             <a:fld id="{04619E9B-E707-49D5-A22E-9F83B74E6AC0}" type="datetimeFigureOut">
               <a:rPr lang="ko-KR" altLang="en-US" smtClean="0"/>
-              <a:t>2023-05-21</a:t>
+              <a:t>2023-05-29</a:t>
             </a:fld>
             <a:endParaRPr lang="ko-KR" altLang="en-US"/>
           </a:p>
@@ -1827,7 +1827,7 @@
           <a:p>
             <a:fld id="{04619E9B-E707-49D5-A22E-9F83B74E6AC0}" type="datetimeFigureOut">
               <a:rPr lang="ko-KR" altLang="en-US" smtClean="0"/>
-              <a:t>2023-05-21</a:t>
+              <a:t>2023-05-29</a:t>
             </a:fld>
             <a:endParaRPr lang="ko-KR" altLang="en-US"/>
           </a:p>
@@ -1968,7 +1968,7 @@
           <a:p>
             <a:fld id="{04619E9B-E707-49D5-A22E-9F83B74E6AC0}" type="datetimeFigureOut">
               <a:rPr lang="ko-KR" altLang="en-US" smtClean="0"/>
-              <a:t>2023-05-21</a:t>
+              <a:t>2023-05-29</a:t>
             </a:fld>
             <a:endParaRPr lang="ko-KR" altLang="en-US"/>
           </a:p>
@@ -2081,7 +2081,7 @@
           <a:p>
             <a:fld id="{04619E9B-E707-49D5-A22E-9F83B74E6AC0}" type="datetimeFigureOut">
               <a:rPr lang="ko-KR" altLang="en-US" smtClean="0"/>
-              <a:t>2023-05-21</a:t>
+              <a:t>2023-05-29</a:t>
             </a:fld>
             <a:endParaRPr lang="ko-KR" altLang="en-US"/>
           </a:p>
@@ -2392,7 +2392,7 @@
           <a:p>
             <a:fld id="{04619E9B-E707-49D5-A22E-9F83B74E6AC0}" type="datetimeFigureOut">
               <a:rPr lang="ko-KR" altLang="en-US" smtClean="0"/>
-              <a:t>2023-05-21</a:t>
+              <a:t>2023-05-29</a:t>
             </a:fld>
             <a:endParaRPr lang="ko-KR" altLang="en-US"/>
           </a:p>
@@ -2680,7 +2680,7 @@
           <a:p>
             <a:fld id="{04619E9B-E707-49D5-A22E-9F83B74E6AC0}" type="datetimeFigureOut">
               <a:rPr lang="ko-KR" altLang="en-US" smtClean="0"/>
-              <a:t>2023-05-21</a:t>
+              <a:t>2023-05-29</a:t>
             </a:fld>
             <a:endParaRPr lang="ko-KR" altLang="en-US"/>
           </a:p>
@@ -2921,7 +2921,7 @@
           <a:p>
             <a:fld id="{04619E9B-E707-49D5-A22E-9F83B74E6AC0}" type="datetimeFigureOut">
               <a:rPr lang="ko-KR" altLang="en-US" smtClean="0"/>
-              <a:t>2023-05-21</a:t>
+              <a:t>2023-05-29</a:t>
             </a:fld>
             <a:endParaRPr lang="ko-KR" altLang="en-US"/>
           </a:p>
@@ -4464,42 +4464,6 @@
       </p:grpSpPr>
       <p:sp>
         <p:nvSpPr>
-          <p:cNvPr id="2" name="제목 1">
-            <a:extLst>
-              <a:ext uri="{FF2B5EF4-FFF2-40B4-BE49-F238E27FC236}">
-                <a16:creationId xmlns:a16="http://schemas.microsoft.com/office/drawing/2014/main" id="{D71CB7FB-3F0E-3663-B3CC-0581CA887871}"/>
-              </a:ext>
-            </a:extLst>
-          </p:cNvPr>
-          <p:cNvSpPr>
-            <a:spLocks noGrp="1"/>
-          </p:cNvSpPr>
-          <p:nvPr>
-            <p:ph type="title"/>
-          </p:nvPr>
-        </p:nvSpPr>
-        <p:spPr/>
-        <p:txBody>
-          <a:bodyPr/>
-          <a:lstStyle/>
-          <a:p>
-            <a:r>
-              <a:rPr lang="ko-KR" altLang="en-US" dirty="0"/>
-              <a:t>객체를 </a:t>
-            </a:r>
-            <a:r>
-              <a:rPr lang="en-US" altLang="ko-KR" dirty="0"/>
-              <a:t>JSON </a:t>
-            </a:r>
-            <a:r>
-              <a:rPr lang="ko-KR" altLang="en-US" dirty="0"/>
-              <a:t>형식으로 변환하기</a:t>
-            </a:r>
-          </a:p>
-        </p:txBody>
-      </p:sp>
-      <p:sp>
-        <p:nvSpPr>
           <p:cNvPr id="3" name="TextBox 2">
             <a:extLst>
               <a:ext uri="{FF2B5EF4-FFF2-40B4-BE49-F238E27FC236}">
@@ -5251,6 +5215,61 @@
           </a:p>
         </p:txBody>
       </p:sp>
+      <p:sp>
+        <p:nvSpPr>
+          <p:cNvPr id="6" name="TextBox 5">
+            <a:extLst>
+              <a:ext uri="{FF2B5EF4-FFF2-40B4-BE49-F238E27FC236}">
+                <a16:creationId xmlns:a16="http://schemas.microsoft.com/office/drawing/2014/main" id="{6A47F3CF-F9CC-FE7C-34A0-B0B9965EE3CF}"/>
+              </a:ext>
+            </a:extLst>
+          </p:cNvPr>
+          <p:cNvSpPr txBox="1"/>
+          <p:nvPr/>
+        </p:nvSpPr>
+        <p:spPr>
+          <a:xfrm>
+            <a:off x="306647" y="319086"/>
+            <a:ext cx="8086239" cy="707886"/>
+          </a:xfrm>
+          <a:prstGeom prst="rect">
+            <a:avLst/>
+          </a:prstGeom>
+          <a:noFill/>
+        </p:spPr>
+        <p:txBody>
+          <a:bodyPr wrap="square">
+            <a:spAutoFit/>
+          </a:bodyPr>
+          <a:lstStyle/>
+          <a:p>
+            <a:r>
+              <a:rPr lang="ko-KR" altLang="en-US" sz="4000" dirty="0">
+                <a:latin typeface="KoPubWorld돋움체 Bold" panose="00000800000000000000" pitchFamily="2" charset="-127"/>
+                <a:ea typeface="KoPubWorld돋움체 Bold" panose="00000800000000000000" pitchFamily="2" charset="-127"/>
+                <a:cs typeface="KoPubWorld돋움체 Bold" panose="00000800000000000000" pitchFamily="2" charset="-127"/>
+              </a:rPr>
+              <a:t>객체를 </a:t>
+            </a:r>
+            <a:r>
+              <a:rPr lang="en-US" altLang="ko-KR" sz="4000" dirty="0">
+                <a:latin typeface="KoPubWorld돋움체 Bold" panose="00000800000000000000" pitchFamily="2" charset="-127"/>
+                <a:ea typeface="KoPubWorld돋움체 Bold" panose="00000800000000000000" pitchFamily="2" charset="-127"/>
+                <a:cs typeface="KoPubWorld돋움체 Bold" panose="00000800000000000000" pitchFamily="2" charset="-127"/>
+              </a:rPr>
+              <a:t>JSON </a:t>
+            </a:r>
+            <a:r>
+              <a:rPr lang="ko-KR" altLang="en-US" sz="4000" dirty="0">
+                <a:latin typeface="KoPubWorld돋움체 Bold" panose="00000800000000000000" pitchFamily="2" charset="-127"/>
+                <a:ea typeface="KoPubWorld돋움체 Bold" panose="00000800000000000000" pitchFamily="2" charset="-127"/>
+                <a:cs typeface="KoPubWorld돋움체 Bold" panose="00000800000000000000" pitchFamily="2" charset="-127"/>
+              </a:rPr>
+              <a:t>형식으로 변환하기</a:t>
+            </a:r>
+          </a:p>
+        </p:txBody>
+      </p:sp>
     </p:spTree>
     <p:extLst>
       <p:ext uri="{BB962C8B-B14F-4D97-AF65-F5344CB8AC3E}">
@@ -5281,38 +5300,6 @@
           <a:chExt cx="0" cy="0"/>
         </a:xfrm>
       </p:grpSpPr>
-      <p:sp>
-        <p:nvSpPr>
-          <p:cNvPr id="2" name="제목 1">
-            <a:extLst>
-              <a:ext uri="{FF2B5EF4-FFF2-40B4-BE49-F238E27FC236}">
-                <a16:creationId xmlns:a16="http://schemas.microsoft.com/office/drawing/2014/main" id="{D71CB7FB-3F0E-3663-B3CC-0581CA887871}"/>
-              </a:ext>
-            </a:extLst>
-          </p:cNvPr>
-          <p:cNvSpPr>
-            <a:spLocks noGrp="1"/>
-          </p:cNvSpPr>
-          <p:nvPr>
-            <p:ph type="title"/>
-          </p:nvPr>
-        </p:nvSpPr>
-        <p:spPr/>
-        <p:txBody>
-          <a:bodyPr/>
-          <a:lstStyle/>
-          <a:p>
-            <a:r>
-              <a:rPr lang="en-US" altLang="ko-KR" dirty="0"/>
-              <a:t>JSON </a:t>
-            </a:r>
-            <a:r>
-              <a:rPr lang="ko-KR" altLang="en-US" dirty="0"/>
-              <a:t>을 객체로 변환하기</a:t>
-            </a:r>
-          </a:p>
-        </p:txBody>
-      </p:sp>
       <p:sp>
         <p:nvSpPr>
           <p:cNvPr id="3" name="TextBox 2">
@@ -5944,6 +5931,53 @@
           <a:p>
             <a:pPr algn="ctr"/>
             <a:endParaRPr lang="ko-KR" altLang="en-US"/>
+          </a:p>
+        </p:txBody>
+      </p:sp>
+      <p:sp>
+        <p:nvSpPr>
+          <p:cNvPr id="6" name="TextBox 5">
+            <a:extLst>
+              <a:ext uri="{FF2B5EF4-FFF2-40B4-BE49-F238E27FC236}">
+                <a16:creationId xmlns:a16="http://schemas.microsoft.com/office/drawing/2014/main" id="{7C7BF7F5-C894-7495-9ECE-FB66D81781CE}"/>
+              </a:ext>
+            </a:extLst>
+          </p:cNvPr>
+          <p:cNvSpPr txBox="1"/>
+          <p:nvPr/>
+        </p:nvSpPr>
+        <p:spPr>
+          <a:xfrm>
+            <a:off x="306647" y="319086"/>
+            <a:ext cx="8086239" cy="707886"/>
+          </a:xfrm>
+          <a:prstGeom prst="rect">
+            <a:avLst/>
+          </a:prstGeom>
+          <a:noFill/>
+        </p:spPr>
+        <p:txBody>
+          <a:bodyPr wrap="square">
+            <a:spAutoFit/>
+          </a:bodyPr>
+          <a:lstStyle/>
+          <a:p>
+            <a:r>
+              <a:rPr lang="en-US" altLang="ko-KR" sz="4000" dirty="0">
+                <a:latin typeface="KoPubWorld돋움체 Bold" panose="00000800000000000000" pitchFamily="2" charset="-127"/>
+                <a:ea typeface="KoPubWorld돋움체 Bold" panose="00000800000000000000" pitchFamily="2" charset="-127"/>
+                <a:cs typeface="KoPubWorld돋움체 Bold" panose="00000800000000000000" pitchFamily="2" charset="-127"/>
+              </a:rPr>
+              <a:t>JSON</a:t>
+            </a:r>
+            <a:r>
+              <a:rPr lang="ko-KR" altLang="en-US" sz="4000" dirty="0">
+                <a:latin typeface="KoPubWorld돋움체 Bold" panose="00000800000000000000" pitchFamily="2" charset="-127"/>
+                <a:ea typeface="KoPubWorld돋움체 Bold" panose="00000800000000000000" pitchFamily="2" charset="-127"/>
+                <a:cs typeface="KoPubWorld돋움체 Bold" panose="00000800000000000000" pitchFamily="2" charset="-127"/>
+              </a:rPr>
+              <a:t>을 객체로 변환하기</a:t>
+            </a:r>
           </a:p>
         </p:txBody>
       </p:sp>
@@ -6388,34 +6422,6 @@
       </p:grpSpPr>
       <p:sp>
         <p:nvSpPr>
-          <p:cNvPr id="2" name="제목 1">
-            <a:extLst>
-              <a:ext uri="{FF2B5EF4-FFF2-40B4-BE49-F238E27FC236}">
-                <a16:creationId xmlns:a16="http://schemas.microsoft.com/office/drawing/2014/main" id="{B0BF917C-216B-D581-4F54-218342B2BFC2}"/>
-              </a:ext>
-            </a:extLst>
-          </p:cNvPr>
-          <p:cNvSpPr>
-            <a:spLocks noGrp="1"/>
-          </p:cNvSpPr>
-          <p:nvPr>
-            <p:ph type="title"/>
-          </p:nvPr>
-        </p:nvSpPr>
-        <p:spPr/>
-        <p:txBody>
-          <a:bodyPr/>
-          <a:lstStyle/>
-          <a:p>
-            <a:r>
-              <a:rPr lang="ko-KR" altLang="en-US" dirty="0"/>
-              <a:t>데이터 교환 방식</a:t>
-            </a:r>
-          </a:p>
-        </p:txBody>
-      </p:sp>
-      <p:sp>
-        <p:nvSpPr>
           <p:cNvPr id="4" name="TextBox 3">
             <a:extLst>
               <a:ext uri="{FF2B5EF4-FFF2-40B4-BE49-F238E27FC236}">
@@ -6642,6 +6648,45 @@
           </a:extLst>
         </p:spPr>
       </p:pic>
+      <p:sp>
+        <p:nvSpPr>
+          <p:cNvPr id="3" name="TextBox 2">
+            <a:extLst>
+              <a:ext uri="{FF2B5EF4-FFF2-40B4-BE49-F238E27FC236}">
+                <a16:creationId xmlns:a16="http://schemas.microsoft.com/office/drawing/2014/main" id="{0E502A40-F154-AAEB-43B2-61112DD9142F}"/>
+              </a:ext>
+            </a:extLst>
+          </p:cNvPr>
+          <p:cNvSpPr txBox="1"/>
+          <p:nvPr/>
+        </p:nvSpPr>
+        <p:spPr>
+          <a:xfrm>
+            <a:off x="306647" y="319086"/>
+            <a:ext cx="4314339" cy="707886"/>
+          </a:xfrm>
+          <a:prstGeom prst="rect">
+            <a:avLst/>
+          </a:prstGeom>
+          <a:noFill/>
+        </p:spPr>
+        <p:txBody>
+          <a:bodyPr wrap="square">
+            <a:spAutoFit/>
+          </a:bodyPr>
+          <a:lstStyle/>
+          <a:p>
+            <a:r>
+              <a:rPr lang="ko-KR" altLang="en-US" sz="4000" dirty="0">
+                <a:latin typeface="KoPubWorld돋움체 Bold" panose="00000800000000000000" pitchFamily="2" charset="-127"/>
+                <a:ea typeface="KoPubWorld돋움체 Bold" panose="00000800000000000000" pitchFamily="2" charset="-127"/>
+                <a:cs typeface="KoPubWorld돋움체 Bold" panose="00000800000000000000" pitchFamily="2" charset="-127"/>
+              </a:rPr>
+              <a:t>데이터 교환방식</a:t>
+            </a:r>
+          </a:p>
+        </p:txBody>
+      </p:sp>
     </p:spTree>
     <p:extLst>
       <p:ext uri="{BB962C8B-B14F-4D97-AF65-F5344CB8AC3E}">
@@ -7083,38 +7128,6 @@
       </p:grpSpPr>
       <p:sp>
         <p:nvSpPr>
-          <p:cNvPr id="2" name="제목 1">
-            <a:extLst>
-              <a:ext uri="{FF2B5EF4-FFF2-40B4-BE49-F238E27FC236}">
-                <a16:creationId xmlns:a16="http://schemas.microsoft.com/office/drawing/2014/main" id="{E2EFFA2F-7701-04BE-7D22-CA129B114BE9}"/>
-              </a:ext>
-            </a:extLst>
-          </p:cNvPr>
-          <p:cNvSpPr>
-            <a:spLocks noGrp="1"/>
-          </p:cNvSpPr>
-          <p:nvPr>
-            <p:ph type="title"/>
-          </p:nvPr>
-        </p:nvSpPr>
-        <p:spPr/>
-        <p:txBody>
-          <a:bodyPr/>
-          <a:lstStyle/>
-          <a:p>
-            <a:r>
-              <a:rPr lang="en-US" altLang="ko-KR" dirty="0"/>
-              <a:t>JSON</a:t>
-            </a:r>
-            <a:r>
-              <a:rPr lang="ko-KR" altLang="en-US" dirty="0"/>
-              <a:t>의 특징</a:t>
-            </a:r>
-          </a:p>
-        </p:txBody>
-      </p:sp>
-      <p:sp>
-        <p:nvSpPr>
           <p:cNvPr id="4" name="TextBox 3">
             <a:extLst>
               <a:ext uri="{FF2B5EF4-FFF2-40B4-BE49-F238E27FC236}">
@@ -7420,6 +7433,53 @@
           </a:extLst>
         </p:spPr>
       </p:pic>
+      <p:sp>
+        <p:nvSpPr>
+          <p:cNvPr id="6" name="TextBox 5">
+            <a:extLst>
+              <a:ext uri="{FF2B5EF4-FFF2-40B4-BE49-F238E27FC236}">
+                <a16:creationId xmlns:a16="http://schemas.microsoft.com/office/drawing/2014/main" id="{D8F4964F-5648-5A30-78F8-C9189BA3850C}"/>
+              </a:ext>
+            </a:extLst>
+          </p:cNvPr>
+          <p:cNvSpPr txBox="1"/>
+          <p:nvPr/>
+        </p:nvSpPr>
+        <p:spPr>
+          <a:xfrm>
+            <a:off x="306647" y="319086"/>
+            <a:ext cx="4314339" cy="707886"/>
+          </a:xfrm>
+          <a:prstGeom prst="rect">
+            <a:avLst/>
+          </a:prstGeom>
+          <a:noFill/>
+        </p:spPr>
+        <p:txBody>
+          <a:bodyPr wrap="square">
+            <a:spAutoFit/>
+          </a:bodyPr>
+          <a:lstStyle/>
+          <a:p>
+            <a:r>
+              <a:rPr lang="en-US" altLang="ko-KR" sz="4000" dirty="0">
+                <a:latin typeface="KoPubWorld돋움체 Bold" panose="00000800000000000000" pitchFamily="2" charset="-127"/>
+                <a:ea typeface="KoPubWorld돋움체 Bold" panose="00000800000000000000" pitchFamily="2" charset="-127"/>
+                <a:cs typeface="KoPubWorld돋움체 Bold" panose="00000800000000000000" pitchFamily="2" charset="-127"/>
+              </a:rPr>
+              <a:t>JSON</a:t>
+            </a:r>
+            <a:r>
+              <a:rPr lang="ko-KR" altLang="en-US" sz="4000" dirty="0">
+                <a:latin typeface="KoPubWorld돋움체 Bold" panose="00000800000000000000" pitchFamily="2" charset="-127"/>
+                <a:ea typeface="KoPubWorld돋움체 Bold" panose="00000800000000000000" pitchFamily="2" charset="-127"/>
+                <a:cs typeface="KoPubWorld돋움체 Bold" panose="00000800000000000000" pitchFamily="2" charset="-127"/>
+              </a:rPr>
+              <a:t>의 특징</a:t>
+            </a:r>
+          </a:p>
+        </p:txBody>
+      </p:sp>
     </p:spTree>
     <p:extLst>
       <p:ext uri="{BB962C8B-B14F-4D97-AF65-F5344CB8AC3E}">
@@ -7450,38 +7510,6 @@
           <a:chExt cx="0" cy="0"/>
         </a:xfrm>
       </p:grpSpPr>
-      <p:sp>
-        <p:nvSpPr>
-          <p:cNvPr id="2" name="제목 1">
-            <a:extLst>
-              <a:ext uri="{FF2B5EF4-FFF2-40B4-BE49-F238E27FC236}">
-                <a16:creationId xmlns:a16="http://schemas.microsoft.com/office/drawing/2014/main" id="{C8192F8D-4EEF-A4D4-EE40-B575E2FAF979}"/>
-              </a:ext>
-            </a:extLst>
-          </p:cNvPr>
-          <p:cNvSpPr>
-            <a:spLocks noGrp="1"/>
-          </p:cNvSpPr>
-          <p:nvPr>
-            <p:ph type="title"/>
-          </p:nvPr>
-        </p:nvSpPr>
-        <p:spPr/>
-        <p:txBody>
-          <a:bodyPr/>
-          <a:lstStyle/>
-          <a:p>
-            <a:r>
-              <a:rPr lang="en-US" altLang="ko-KR" dirty="0"/>
-              <a:t>JSON</a:t>
-            </a:r>
-            <a:r>
-              <a:rPr lang="ko-KR" altLang="en-US" dirty="0"/>
-              <a:t>의 형식</a:t>
-            </a:r>
-          </a:p>
-        </p:txBody>
-      </p:sp>
       <p:sp>
         <p:nvSpPr>
           <p:cNvPr id="4" name="TextBox 3">
@@ -8709,6 +8737,53 @@
           </a:p>
         </p:txBody>
       </p:sp>
+      <p:sp>
+        <p:nvSpPr>
+          <p:cNvPr id="14" name="TextBox 13">
+            <a:extLst>
+              <a:ext uri="{FF2B5EF4-FFF2-40B4-BE49-F238E27FC236}">
+                <a16:creationId xmlns:a16="http://schemas.microsoft.com/office/drawing/2014/main" id="{EBE4768B-F964-BEFC-1B86-3557DD5E579E}"/>
+              </a:ext>
+            </a:extLst>
+          </p:cNvPr>
+          <p:cNvSpPr txBox="1"/>
+          <p:nvPr/>
+        </p:nvSpPr>
+        <p:spPr>
+          <a:xfrm>
+            <a:off x="306647" y="319086"/>
+            <a:ext cx="4314339" cy="707886"/>
+          </a:xfrm>
+          <a:prstGeom prst="rect">
+            <a:avLst/>
+          </a:prstGeom>
+          <a:noFill/>
+        </p:spPr>
+        <p:txBody>
+          <a:bodyPr wrap="square">
+            <a:spAutoFit/>
+          </a:bodyPr>
+          <a:lstStyle/>
+          <a:p>
+            <a:r>
+              <a:rPr lang="en-US" altLang="ko-KR" sz="4000" dirty="0">
+                <a:latin typeface="KoPubWorld돋움체 Bold" panose="00000800000000000000" pitchFamily="2" charset="-127"/>
+                <a:ea typeface="KoPubWorld돋움체 Bold" panose="00000800000000000000" pitchFamily="2" charset="-127"/>
+                <a:cs typeface="KoPubWorld돋움체 Bold" panose="00000800000000000000" pitchFamily="2" charset="-127"/>
+              </a:rPr>
+              <a:t>JSON</a:t>
+            </a:r>
+            <a:r>
+              <a:rPr lang="ko-KR" altLang="en-US" sz="4000" dirty="0">
+                <a:latin typeface="KoPubWorld돋움체 Bold" panose="00000800000000000000" pitchFamily="2" charset="-127"/>
+                <a:ea typeface="KoPubWorld돋움체 Bold" panose="00000800000000000000" pitchFamily="2" charset="-127"/>
+                <a:cs typeface="KoPubWorld돋움체 Bold" panose="00000800000000000000" pitchFamily="2" charset="-127"/>
+              </a:rPr>
+              <a:t>의 형식</a:t>
+            </a:r>
+          </a:p>
+        </p:txBody>
+      </p:sp>
     </p:spTree>
     <p:extLst>
       <p:ext uri="{BB962C8B-B14F-4D97-AF65-F5344CB8AC3E}">
@@ -8741,51 +8816,6 @@
       </p:grpSpPr>
       <p:sp>
         <p:nvSpPr>
-          <p:cNvPr id="2" name="제목 1">
-            <a:extLst>
-              <a:ext uri="{FF2B5EF4-FFF2-40B4-BE49-F238E27FC236}">
-                <a16:creationId xmlns:a16="http://schemas.microsoft.com/office/drawing/2014/main" id="{C8192F8D-4EEF-A4D4-EE40-B575E2FAF979}"/>
-              </a:ext>
-            </a:extLst>
-          </p:cNvPr>
-          <p:cNvSpPr>
-            <a:spLocks noGrp="1"/>
-          </p:cNvSpPr>
-          <p:nvPr>
-            <p:ph type="title"/>
-          </p:nvPr>
-        </p:nvSpPr>
-        <p:spPr/>
-        <p:txBody>
-          <a:bodyPr/>
-          <a:lstStyle/>
-          <a:p>
-            <a:r>
-              <a:rPr lang="en-US" altLang="ko-KR" dirty="0"/>
-              <a:t>JSON</a:t>
-            </a:r>
-            <a:r>
-              <a:rPr lang="ko-KR" altLang="en-US" dirty="0"/>
-              <a:t>의 </a:t>
-            </a:r>
-            <a:r>
-              <a:rPr lang="en-US" altLang="ko-KR" dirty="0"/>
-              <a:t>‘</a:t>
-            </a:r>
-            <a:r>
-              <a:rPr lang="ko-KR" altLang="en-US" dirty="0"/>
-              <a:t>이름</a:t>
-            </a:r>
-            <a:r>
-              <a:rPr lang="en-US" altLang="ko-KR" dirty="0"/>
-              <a:t>’</a:t>
-            </a:r>
-            <a:endParaRPr lang="ko-KR" altLang="en-US" dirty="0"/>
-          </a:p>
-        </p:txBody>
-      </p:sp>
-      <p:sp>
-        <p:nvSpPr>
           <p:cNvPr id="6" name="TextBox 5">
             <a:extLst>
               <a:ext uri="{FF2B5EF4-FFF2-40B4-BE49-F238E27FC236}">
@@ -9748,6 +9778,53 @@
               <a:ea typeface="D2Coding" panose="020B0609020101020101" pitchFamily="49" charset="-127"/>
               <a:cs typeface="D2Coding" panose="020B0609020101020101" pitchFamily="49" charset="-127"/>
             </a:endParaRPr>
+          </a:p>
+        </p:txBody>
+      </p:sp>
+      <p:sp>
+        <p:nvSpPr>
+          <p:cNvPr id="11" name="TextBox 10">
+            <a:extLst>
+              <a:ext uri="{FF2B5EF4-FFF2-40B4-BE49-F238E27FC236}">
+                <a16:creationId xmlns:a16="http://schemas.microsoft.com/office/drawing/2014/main" id="{FEA18347-56B0-B4D7-8636-9CC0B6B0173E}"/>
+              </a:ext>
+            </a:extLst>
+          </p:cNvPr>
+          <p:cNvSpPr txBox="1"/>
+          <p:nvPr/>
+        </p:nvSpPr>
+        <p:spPr>
+          <a:xfrm>
+            <a:off x="306647" y="319086"/>
+            <a:ext cx="4314339" cy="707886"/>
+          </a:xfrm>
+          <a:prstGeom prst="rect">
+            <a:avLst/>
+          </a:prstGeom>
+          <a:noFill/>
+        </p:spPr>
+        <p:txBody>
+          <a:bodyPr wrap="square">
+            <a:spAutoFit/>
+          </a:bodyPr>
+          <a:lstStyle/>
+          <a:p>
+            <a:r>
+              <a:rPr lang="en-US" altLang="ko-KR" sz="4000" dirty="0">
+                <a:latin typeface="KoPubWorld돋움체 Bold" panose="00000800000000000000" pitchFamily="2" charset="-127"/>
+                <a:ea typeface="KoPubWorld돋움체 Bold" panose="00000800000000000000" pitchFamily="2" charset="-127"/>
+                <a:cs typeface="KoPubWorld돋움체 Bold" panose="00000800000000000000" pitchFamily="2" charset="-127"/>
+              </a:rPr>
+              <a:t>JSON</a:t>
+            </a:r>
+            <a:r>
+              <a:rPr lang="ko-KR" altLang="en-US" sz="4000" dirty="0">
+                <a:latin typeface="KoPubWorld돋움체 Bold" panose="00000800000000000000" pitchFamily="2" charset="-127"/>
+                <a:ea typeface="KoPubWorld돋움체 Bold" panose="00000800000000000000" pitchFamily="2" charset="-127"/>
+                <a:cs typeface="KoPubWorld돋움체 Bold" panose="00000800000000000000" pitchFamily="2" charset="-127"/>
+              </a:rPr>
+              <a:t>의 이름</a:t>
+            </a:r>
           </a:p>
         </p:txBody>
       </p:sp>
@@ -9783,51 +9860,6 @@
       </p:grpSpPr>
       <p:sp>
         <p:nvSpPr>
-          <p:cNvPr id="2" name="제목 1">
-            <a:extLst>
-              <a:ext uri="{FF2B5EF4-FFF2-40B4-BE49-F238E27FC236}">
-                <a16:creationId xmlns:a16="http://schemas.microsoft.com/office/drawing/2014/main" id="{C8192F8D-4EEF-A4D4-EE40-B575E2FAF979}"/>
-              </a:ext>
-            </a:extLst>
-          </p:cNvPr>
-          <p:cNvSpPr>
-            <a:spLocks noGrp="1"/>
-          </p:cNvSpPr>
-          <p:nvPr>
-            <p:ph type="title"/>
-          </p:nvPr>
-        </p:nvSpPr>
-        <p:spPr/>
-        <p:txBody>
-          <a:bodyPr/>
-          <a:lstStyle/>
-          <a:p>
-            <a:r>
-              <a:rPr lang="en-US" altLang="ko-KR" dirty="0"/>
-              <a:t>JSON</a:t>
-            </a:r>
-            <a:r>
-              <a:rPr lang="ko-KR" altLang="en-US" dirty="0"/>
-              <a:t>의 </a:t>
-            </a:r>
-            <a:r>
-              <a:rPr lang="en-US" altLang="ko-KR" dirty="0"/>
-              <a:t>‘</a:t>
-            </a:r>
-            <a:r>
-              <a:rPr lang="ko-KR" altLang="en-US" dirty="0"/>
-              <a:t>값</a:t>
-            </a:r>
-            <a:r>
-              <a:rPr lang="en-US" altLang="ko-KR" dirty="0"/>
-              <a:t>’</a:t>
-            </a:r>
-            <a:endParaRPr lang="ko-KR" altLang="en-US" dirty="0"/>
-          </a:p>
-        </p:txBody>
-      </p:sp>
-      <p:sp>
-        <p:nvSpPr>
           <p:cNvPr id="9" name="TextBox 8">
             <a:extLst>
               <a:ext uri="{FF2B5EF4-FFF2-40B4-BE49-F238E27FC236}">
@@ -10486,6 +10518,53 @@
               <a:ea typeface="맑은 고딕" panose="020B0503020000020004" pitchFamily="50" charset="-127"/>
               <a:cs typeface="맑은 고딕" panose="020B0503020000020004" pitchFamily="50" charset="-127"/>
             </a:endParaRPr>
+          </a:p>
+        </p:txBody>
+      </p:sp>
+      <p:sp>
+        <p:nvSpPr>
+          <p:cNvPr id="6" name="TextBox 5">
+            <a:extLst>
+              <a:ext uri="{FF2B5EF4-FFF2-40B4-BE49-F238E27FC236}">
+                <a16:creationId xmlns:a16="http://schemas.microsoft.com/office/drawing/2014/main" id="{EE411E2B-25D7-4F8B-7F0D-3253AB16247D}"/>
+              </a:ext>
+            </a:extLst>
+          </p:cNvPr>
+          <p:cNvSpPr txBox="1"/>
+          <p:nvPr/>
+        </p:nvSpPr>
+        <p:spPr>
+          <a:xfrm>
+            <a:off x="306647" y="319086"/>
+            <a:ext cx="4314339" cy="707886"/>
+          </a:xfrm>
+          <a:prstGeom prst="rect">
+            <a:avLst/>
+          </a:prstGeom>
+          <a:noFill/>
+        </p:spPr>
+        <p:txBody>
+          <a:bodyPr wrap="square">
+            <a:spAutoFit/>
+          </a:bodyPr>
+          <a:lstStyle/>
+          <a:p>
+            <a:r>
+              <a:rPr lang="en-US" altLang="ko-KR" sz="4000" dirty="0">
+                <a:latin typeface="KoPubWorld돋움체 Bold" panose="00000800000000000000" pitchFamily="2" charset="-127"/>
+                <a:ea typeface="KoPubWorld돋움체 Bold" panose="00000800000000000000" pitchFamily="2" charset="-127"/>
+                <a:cs typeface="KoPubWorld돋움체 Bold" panose="00000800000000000000" pitchFamily="2" charset="-127"/>
+              </a:rPr>
+              <a:t>JSON</a:t>
+            </a:r>
+            <a:r>
+              <a:rPr lang="ko-KR" altLang="en-US" sz="4000" dirty="0">
+                <a:latin typeface="KoPubWorld돋움체 Bold" panose="00000800000000000000" pitchFamily="2" charset="-127"/>
+                <a:ea typeface="KoPubWorld돋움체 Bold" panose="00000800000000000000" pitchFamily="2" charset="-127"/>
+                <a:cs typeface="KoPubWorld돋움체 Bold" panose="00000800000000000000" pitchFamily="2" charset="-127"/>
+              </a:rPr>
+              <a:t>의 값</a:t>
+            </a:r>
           </a:p>
         </p:txBody>
       </p:sp>
@@ -10521,38 +10600,6 @@
       </p:grpSpPr>
       <p:sp>
         <p:nvSpPr>
-          <p:cNvPr id="2" name="제목 1">
-            <a:extLst>
-              <a:ext uri="{FF2B5EF4-FFF2-40B4-BE49-F238E27FC236}">
-                <a16:creationId xmlns:a16="http://schemas.microsoft.com/office/drawing/2014/main" id="{AAD12CB5-07C9-B7B8-225F-0C9330A40BA8}"/>
-              </a:ext>
-            </a:extLst>
-          </p:cNvPr>
-          <p:cNvSpPr>
-            <a:spLocks noGrp="1"/>
-          </p:cNvSpPr>
-          <p:nvPr>
-            <p:ph type="title"/>
-          </p:nvPr>
-        </p:nvSpPr>
-        <p:spPr/>
-        <p:txBody>
-          <a:bodyPr/>
-          <a:lstStyle/>
-          <a:p>
-            <a:r>
-              <a:rPr lang="en-US" altLang="ko-KR" dirty="0"/>
-              <a:t>JSON</a:t>
-            </a:r>
-            <a:r>
-              <a:rPr lang="ko-KR" altLang="en-US" dirty="0"/>
-              <a:t> 문자열 </a:t>
-            </a:r>
-          </a:p>
-        </p:txBody>
-      </p:sp>
-      <p:sp>
-        <p:nvSpPr>
           <p:cNvPr id="6" name="TextBox 5">
             <a:extLst>
               <a:ext uri="{FF2B5EF4-FFF2-40B4-BE49-F238E27FC236}">
@@ -11118,6 +11165,53 @@
                 <a:schemeClr val="accent1"/>
               </a:solidFill>
             </a:endParaRPr>
+          </a:p>
+        </p:txBody>
+      </p:sp>
+      <p:sp>
+        <p:nvSpPr>
+          <p:cNvPr id="7" name="TextBox 6">
+            <a:extLst>
+              <a:ext uri="{FF2B5EF4-FFF2-40B4-BE49-F238E27FC236}">
+                <a16:creationId xmlns:a16="http://schemas.microsoft.com/office/drawing/2014/main" id="{599E2881-A126-19FA-ADCD-370720172877}"/>
+              </a:ext>
+            </a:extLst>
+          </p:cNvPr>
+          <p:cNvSpPr txBox="1"/>
+          <p:nvPr/>
+        </p:nvSpPr>
+        <p:spPr>
+          <a:xfrm>
+            <a:off x="306647" y="319086"/>
+            <a:ext cx="4314339" cy="707886"/>
+          </a:xfrm>
+          <a:prstGeom prst="rect">
+            <a:avLst/>
+          </a:prstGeom>
+          <a:noFill/>
+        </p:spPr>
+        <p:txBody>
+          <a:bodyPr wrap="square">
+            <a:spAutoFit/>
+          </a:bodyPr>
+          <a:lstStyle/>
+          <a:p>
+            <a:r>
+              <a:rPr lang="en-US" altLang="ko-KR" sz="4000" dirty="0">
+                <a:latin typeface="KoPubWorld돋움체 Bold" panose="00000800000000000000" pitchFamily="2" charset="-127"/>
+                <a:ea typeface="KoPubWorld돋움체 Bold" panose="00000800000000000000" pitchFamily="2" charset="-127"/>
+                <a:cs typeface="KoPubWorld돋움체 Bold" panose="00000800000000000000" pitchFamily="2" charset="-127"/>
+              </a:rPr>
+              <a:t>JSON </a:t>
+            </a:r>
+            <a:r>
+              <a:rPr lang="ko-KR" altLang="en-US" sz="4000" dirty="0">
+                <a:latin typeface="KoPubWorld돋움체 Bold" panose="00000800000000000000" pitchFamily="2" charset="-127"/>
+                <a:ea typeface="KoPubWorld돋움체 Bold" panose="00000800000000000000" pitchFamily="2" charset="-127"/>
+                <a:cs typeface="KoPubWorld돋움체 Bold" panose="00000800000000000000" pitchFamily="2" charset="-127"/>
+              </a:rPr>
+              <a:t>문자열</a:t>
+            </a:r>
           </a:p>
         </p:txBody>
       </p:sp>

--- a/331-HTTP 통신/331-2.json.pptx
+++ b/331-HTTP 통신/331-2.json.pptx
@@ -271,7 +271,7 @@
           <a:p>
             <a:fld id="{04619E9B-E707-49D5-A22E-9F83B74E6AC0}" type="datetimeFigureOut">
               <a:rPr lang="ko-KR" altLang="en-US" smtClean="0"/>
-              <a:t>2023-05-29</a:t>
+              <a:t>2023-05-30</a:t>
             </a:fld>
             <a:endParaRPr lang="ko-KR" altLang="en-US"/>
           </a:p>
@@ -469,7 +469,7 @@
           <a:p>
             <a:fld id="{04619E9B-E707-49D5-A22E-9F83B74E6AC0}" type="datetimeFigureOut">
               <a:rPr lang="ko-KR" altLang="en-US" smtClean="0"/>
-              <a:t>2023-05-29</a:t>
+              <a:t>2023-05-30</a:t>
             </a:fld>
             <a:endParaRPr lang="ko-KR" altLang="en-US"/>
           </a:p>
@@ -677,7 +677,7 @@
           <a:p>
             <a:fld id="{04619E9B-E707-49D5-A22E-9F83B74E6AC0}" type="datetimeFigureOut">
               <a:rPr lang="ko-KR" altLang="en-US" smtClean="0"/>
-              <a:t>2023-05-29</a:t>
+              <a:t>2023-05-30</a:t>
             </a:fld>
             <a:endParaRPr lang="ko-KR" altLang="en-US"/>
           </a:p>
@@ -875,7 +875,7 @@
           <a:p>
             <a:fld id="{04619E9B-E707-49D5-A22E-9F83B74E6AC0}" type="datetimeFigureOut">
               <a:rPr lang="ko-KR" altLang="en-US" smtClean="0"/>
-              <a:t>2023-05-29</a:t>
+              <a:t>2023-05-30</a:t>
             </a:fld>
             <a:endParaRPr lang="ko-KR" altLang="en-US"/>
           </a:p>
@@ -1150,7 +1150,7 @@
           <a:p>
             <a:fld id="{04619E9B-E707-49D5-A22E-9F83B74E6AC0}" type="datetimeFigureOut">
               <a:rPr lang="ko-KR" altLang="en-US" smtClean="0"/>
-              <a:t>2023-05-29</a:t>
+              <a:t>2023-05-30</a:t>
             </a:fld>
             <a:endParaRPr lang="ko-KR" altLang="en-US"/>
           </a:p>
@@ -1415,7 +1415,7 @@
           <a:p>
             <a:fld id="{04619E9B-E707-49D5-A22E-9F83B74E6AC0}" type="datetimeFigureOut">
               <a:rPr lang="ko-KR" altLang="en-US" smtClean="0"/>
-              <a:t>2023-05-29</a:t>
+              <a:t>2023-05-30</a:t>
             </a:fld>
             <a:endParaRPr lang="ko-KR" altLang="en-US"/>
           </a:p>
@@ -1827,7 +1827,7 @@
           <a:p>
             <a:fld id="{04619E9B-E707-49D5-A22E-9F83B74E6AC0}" type="datetimeFigureOut">
               <a:rPr lang="ko-KR" altLang="en-US" smtClean="0"/>
-              <a:t>2023-05-29</a:t>
+              <a:t>2023-05-30</a:t>
             </a:fld>
             <a:endParaRPr lang="ko-KR" altLang="en-US"/>
           </a:p>
@@ -1968,7 +1968,7 @@
           <a:p>
             <a:fld id="{04619E9B-E707-49D5-A22E-9F83B74E6AC0}" type="datetimeFigureOut">
               <a:rPr lang="ko-KR" altLang="en-US" smtClean="0"/>
-              <a:t>2023-05-29</a:t>
+              <a:t>2023-05-30</a:t>
             </a:fld>
             <a:endParaRPr lang="ko-KR" altLang="en-US"/>
           </a:p>
@@ -2081,7 +2081,7 @@
           <a:p>
             <a:fld id="{04619E9B-E707-49D5-A22E-9F83B74E6AC0}" type="datetimeFigureOut">
               <a:rPr lang="ko-KR" altLang="en-US" smtClean="0"/>
-              <a:t>2023-05-29</a:t>
+              <a:t>2023-05-30</a:t>
             </a:fld>
             <a:endParaRPr lang="ko-KR" altLang="en-US"/>
           </a:p>
@@ -2392,7 +2392,7 @@
           <a:p>
             <a:fld id="{04619E9B-E707-49D5-A22E-9F83B74E6AC0}" type="datetimeFigureOut">
               <a:rPr lang="ko-KR" altLang="en-US" smtClean="0"/>
-              <a:t>2023-05-29</a:t>
+              <a:t>2023-05-30</a:t>
             </a:fld>
             <a:endParaRPr lang="ko-KR" altLang="en-US"/>
           </a:p>
@@ -2680,7 +2680,7 @@
           <a:p>
             <a:fld id="{04619E9B-E707-49D5-A22E-9F83B74E6AC0}" type="datetimeFigureOut">
               <a:rPr lang="ko-KR" altLang="en-US" smtClean="0"/>
-              <a:t>2023-05-29</a:t>
+              <a:t>2023-05-30</a:t>
             </a:fld>
             <a:endParaRPr lang="ko-KR" altLang="en-US"/>
           </a:p>
@@ -2921,7 +2921,7 @@
           <a:p>
             <a:fld id="{04619E9B-E707-49D5-A22E-9F83B74E6AC0}" type="datetimeFigureOut">
               <a:rPr lang="ko-KR" altLang="en-US" smtClean="0"/>
-              <a:t>2023-05-29</a:t>
+              <a:t>2023-05-30</a:t>
             </a:fld>
             <a:endParaRPr lang="ko-KR" altLang="en-US"/>
           </a:p>
@@ -7163,12 +7163,24 @@
             </a:pPr>
             <a:r>
               <a:rPr lang="ko-KR" altLang="ko-KR" sz="1600" dirty="0">
-                <a:effectLst/>
-                <a:latin typeface="맑은 고딕" panose="020B0503020000020004" pitchFamily="50" charset="-127"/>
-                <a:ea typeface="맑은 고딕" panose="020B0503020000020004" pitchFamily="50" charset="-127"/>
-                <a:cs typeface="맑은 고딕" panose="020B0503020000020004" pitchFamily="50" charset="-127"/>
-              </a:rPr>
-              <a:t>텍스트로만 구성되었기 때문에 서버와 클라이언트 사이에 주고 받을 때 전송 속도가 아주 빠</a:t>
+                <a:solidFill>
+                  <a:srgbClr val="FF0000"/>
+                </a:solidFill>
+                <a:effectLst/>
+                <a:latin typeface="맑은 고딕" panose="020B0503020000020004" pitchFamily="50" charset="-127"/>
+                <a:ea typeface="맑은 고딕" panose="020B0503020000020004" pitchFamily="50" charset="-127"/>
+                <a:cs typeface="맑은 고딕" panose="020B0503020000020004" pitchFamily="50" charset="-127"/>
+              </a:rPr>
+              <a:t>텍스트로만 구성되었기 </a:t>
+            </a:r>
+            <a:r>
+              <a:rPr lang="ko-KR" altLang="ko-KR" sz="1600" dirty="0">
+                <a:effectLst/>
+                <a:latin typeface="맑은 고딕" panose="020B0503020000020004" pitchFamily="50" charset="-127"/>
+                <a:ea typeface="맑은 고딕" panose="020B0503020000020004" pitchFamily="50" charset="-127"/>
+                <a:cs typeface="맑은 고딕" panose="020B0503020000020004" pitchFamily="50" charset="-127"/>
+              </a:rPr>
+              <a:t>때문에 서버와 클라이언트 사이에 주고 받을 때 전송 속도가 아주 빠</a:t>
             </a:r>
             <a:r>
               <a:rPr lang="ko-KR" altLang="en-US" sz="1600" dirty="0">
@@ -10645,7 +10657,7 @@
               </a:tabLst>
             </a:pPr>
             <a:r>
-              <a:rPr lang="en-US" altLang="ko-KR" sz="1600" kern="100">
+              <a:rPr lang="en-US" altLang="ko-KR" sz="1600" kern="100" dirty="0">
                 <a:solidFill>
                   <a:srgbClr val="000000"/>
                 </a:solidFill>
@@ -10656,7 +10668,7 @@
               </a:rPr>
               <a:t>{</a:t>
             </a:r>
-            <a:endParaRPr lang="ko-KR" altLang="ko-KR" sz="1600" kern="100">
+            <a:endParaRPr lang="ko-KR" altLang="ko-KR" sz="1600" kern="100" dirty="0">
               <a:effectLst/>
               <a:latin typeface="D2Coding" panose="020B0609020101020101" pitchFamily="49" charset="-127"/>
               <a:ea typeface="D2Coding" panose="020B0609020101020101" pitchFamily="49" charset="-127"/>
@@ -10676,7 +10688,7 @@
               </a:tabLst>
             </a:pPr>
             <a:r>
-              <a:rPr lang="en-US" altLang="ko-KR" sz="1600" kern="100">
+              <a:rPr lang="en-US" altLang="ko-KR" sz="1600" kern="100" dirty="0">
                 <a:solidFill>
                   <a:srgbClr val="000000"/>
                 </a:solidFill>
@@ -10688,7 +10700,7 @@
               <a:t>  "name" : "</a:t>
             </a:r>
             <a:r>
-              <a:rPr lang="ko-KR" altLang="ko-KR" sz="1600" kern="100">
+              <a:rPr lang="ko-KR" altLang="ko-KR" sz="1600" kern="100" dirty="0">
                 <a:solidFill>
                   <a:srgbClr val="000000"/>
                 </a:solidFill>
@@ -10700,7 +10712,7 @@
               <a:t>도레미</a:t>
             </a:r>
             <a:r>
-              <a:rPr lang="en-US" altLang="ko-KR" sz="1600" kern="100">
+              <a:rPr lang="en-US" altLang="ko-KR" sz="1600" kern="100" dirty="0">
                 <a:solidFill>
                   <a:srgbClr val="000000"/>
                 </a:solidFill>
@@ -10711,7 +10723,7 @@
               </a:rPr>
               <a:t>",</a:t>
             </a:r>
-            <a:endParaRPr lang="ko-KR" altLang="ko-KR" sz="1600" kern="100">
+            <a:endParaRPr lang="ko-KR" altLang="ko-KR" sz="1600" kern="100" dirty="0">
               <a:effectLst/>
               <a:latin typeface="D2Coding" panose="020B0609020101020101" pitchFamily="49" charset="-127"/>
               <a:ea typeface="D2Coding" panose="020B0609020101020101" pitchFamily="49" charset="-127"/>
@@ -10731,7 +10743,7 @@
               </a:tabLst>
             </a:pPr>
             <a:r>
-              <a:rPr lang="en-US" altLang="ko-KR" sz="1600" kern="100">
+              <a:rPr lang="en-US" altLang="ko-KR" sz="1600" kern="100" dirty="0">
                 <a:solidFill>
                   <a:srgbClr val="000000"/>
                 </a:solidFill>
@@ -10743,7 +10755,7 @@
               <a:t>  "major" : "</a:t>
             </a:r>
             <a:r>
-              <a:rPr lang="ko-KR" altLang="ko-KR" sz="1600" kern="100">
+              <a:rPr lang="ko-KR" altLang="ko-KR" sz="1600" kern="100" dirty="0">
                 <a:solidFill>
                   <a:srgbClr val="000000"/>
                 </a:solidFill>
@@ -10755,7 +10767,7 @@
               <a:t>컴퓨터 공학</a:t>
             </a:r>
             <a:r>
-              <a:rPr lang="en-US" altLang="ko-KR" sz="1600" kern="100">
+              <a:rPr lang="en-US" altLang="ko-KR" sz="1600" kern="100" dirty="0">
                 <a:solidFill>
                   <a:srgbClr val="000000"/>
                 </a:solidFill>
@@ -10766,7 +10778,7 @@
               </a:rPr>
               <a:t>",</a:t>
             </a:r>
-            <a:endParaRPr lang="ko-KR" altLang="ko-KR" sz="1600" kern="100">
+            <a:endParaRPr lang="ko-KR" altLang="ko-KR" sz="1600" kern="100" dirty="0">
               <a:effectLst/>
               <a:latin typeface="D2Coding" panose="020B0609020101020101" pitchFamily="49" charset="-127"/>
               <a:ea typeface="D2Coding" panose="020B0609020101020101" pitchFamily="49" charset="-127"/>
@@ -10786,7 +10798,7 @@
               </a:tabLst>
             </a:pPr>
             <a:r>
-              <a:rPr lang="en-US" altLang="ko-KR" sz="1600" kern="100">
+              <a:rPr lang="en-US" altLang="ko-KR" sz="1600" kern="100" dirty="0">
                 <a:solidFill>
                   <a:srgbClr val="000000"/>
                 </a:solidFill>
@@ -10797,7 +10809,7 @@
               </a:rPr>
               <a:t>  "grade" : 2,</a:t>
             </a:r>
-            <a:endParaRPr lang="ko-KR" altLang="ko-KR" sz="1600" kern="100">
+            <a:endParaRPr lang="ko-KR" altLang="ko-KR" sz="1600" kern="100" dirty="0">
               <a:effectLst/>
               <a:latin typeface="D2Coding" panose="020B0609020101020101" pitchFamily="49" charset="-127"/>
               <a:ea typeface="D2Coding" panose="020B0609020101020101" pitchFamily="49" charset="-127"/>
@@ -10817,7 +10829,7 @@
               </a:tabLst>
             </a:pPr>
             <a:r>
-              <a:rPr lang="en-US" altLang="ko-KR" sz="1600" kern="100">
+              <a:rPr lang="en-US" altLang="ko-KR" sz="1600" kern="100" dirty="0">
                 <a:solidFill>
                   <a:srgbClr val="000000"/>
                 </a:solidFill>
@@ -10828,7 +10840,7 @@
               </a:rPr>
               <a:t>  "course" : {</a:t>
             </a:r>
-            <a:endParaRPr lang="ko-KR" altLang="ko-KR" sz="1600" kern="100">
+            <a:endParaRPr lang="ko-KR" altLang="ko-KR" sz="1600" kern="100" dirty="0">
               <a:effectLst/>
               <a:latin typeface="D2Coding" panose="020B0609020101020101" pitchFamily="49" charset="-127"/>
               <a:ea typeface="D2Coding" panose="020B0609020101020101" pitchFamily="49" charset="-127"/>
@@ -10848,7 +10860,7 @@
               </a:tabLst>
             </a:pPr>
             <a:r>
-              <a:rPr lang="en-US" altLang="ko-KR" sz="1600" kern="100">
+              <a:rPr lang="en-US" altLang="ko-KR" sz="1600" kern="100" dirty="0">
                 <a:solidFill>
                   <a:srgbClr val="000000"/>
                 </a:solidFill>
@@ -10860,7 +10872,7 @@
               <a:t>    "title" : "</a:t>
             </a:r>
             <a:r>
-              <a:rPr lang="ko-KR" altLang="ko-KR" sz="1600" kern="100">
+              <a:rPr lang="ko-KR" altLang="ko-KR" sz="1600" kern="100" dirty="0">
                 <a:solidFill>
                   <a:srgbClr val="000000"/>
                 </a:solidFill>
@@ -10872,7 +10884,7 @@
               <a:t>웹 기초</a:t>
             </a:r>
             <a:r>
-              <a:rPr lang="en-US" altLang="ko-KR" sz="1600" kern="100">
+              <a:rPr lang="en-US" altLang="ko-KR" sz="1600" kern="100" dirty="0">
                 <a:solidFill>
                   <a:srgbClr val="000000"/>
                 </a:solidFill>
@@ -10883,7 +10895,7 @@
               </a:rPr>
               <a:t>", </a:t>
             </a:r>
-            <a:endParaRPr lang="ko-KR" altLang="ko-KR" sz="1600" kern="100">
+            <a:endParaRPr lang="ko-KR" altLang="ko-KR" sz="1600" kern="100" dirty="0">
               <a:effectLst/>
               <a:latin typeface="D2Coding" panose="020B0609020101020101" pitchFamily="49" charset="-127"/>
               <a:ea typeface="D2Coding" panose="020B0609020101020101" pitchFamily="49" charset="-127"/>
@@ -10903,7 +10915,7 @@
               </a:tabLst>
             </a:pPr>
             <a:r>
-              <a:rPr lang="en-US" altLang="ko-KR" sz="1600" kern="100">
+              <a:rPr lang="en-US" altLang="ko-KR" sz="1600" kern="100" dirty="0">
                 <a:solidFill>
                   <a:srgbClr val="000000"/>
                 </a:solidFill>
@@ -10912,9 +10924,33 @@
                 <a:ea typeface="D2Coding" panose="020B0609020101020101" pitchFamily="49" charset="-127"/>
                 <a:cs typeface="D2Coding" panose="020B0609020101020101" pitchFamily="49" charset="-127"/>
               </a:rPr>
-              <a:t>    "timePerWeek" : 3</a:t>
-            </a:r>
-            <a:endParaRPr lang="ko-KR" altLang="ko-KR" sz="1600" kern="100">
+              <a:t>    "</a:t>
+            </a:r>
+            <a:r>
+              <a:rPr lang="en-US" altLang="ko-KR" sz="1600" kern="100" dirty="0" err="1">
+                <a:solidFill>
+                  <a:srgbClr val="000000"/>
+                </a:solidFill>
+                <a:effectLst/>
+                <a:latin typeface="D2Coding" panose="020B0609020101020101" pitchFamily="49" charset="-127"/>
+                <a:ea typeface="D2Coding" panose="020B0609020101020101" pitchFamily="49" charset="-127"/>
+                <a:cs typeface="D2Coding" panose="020B0609020101020101" pitchFamily="49" charset="-127"/>
+              </a:rPr>
+              <a:t>timePerWeek</a:t>
+            </a:r>
+            <a:r>
+              <a:rPr lang="en-US" altLang="ko-KR" sz="1600" kern="100" dirty="0">
+                <a:solidFill>
+                  <a:srgbClr val="000000"/>
+                </a:solidFill>
+                <a:effectLst/>
+                <a:latin typeface="D2Coding" panose="020B0609020101020101" pitchFamily="49" charset="-127"/>
+                <a:ea typeface="D2Coding" panose="020B0609020101020101" pitchFamily="49" charset="-127"/>
+                <a:cs typeface="D2Coding" panose="020B0609020101020101" pitchFamily="49" charset="-127"/>
+              </a:rPr>
+              <a:t>" : 3</a:t>
+            </a:r>
+            <a:endParaRPr lang="ko-KR" altLang="ko-KR" sz="1600" kern="100" dirty="0">
               <a:effectLst/>
               <a:latin typeface="D2Coding" panose="020B0609020101020101" pitchFamily="49" charset="-127"/>
               <a:ea typeface="D2Coding" panose="020B0609020101020101" pitchFamily="49" charset="-127"/>
@@ -10934,7 +10970,7 @@
               </a:tabLst>
             </a:pPr>
             <a:r>
-              <a:rPr lang="en-US" altLang="ko-KR" sz="1600" kern="100">
+              <a:rPr lang="en-US" altLang="ko-KR" sz="1600" kern="100" dirty="0">
                 <a:solidFill>
                   <a:srgbClr val="000000"/>
                 </a:solidFill>
@@ -10945,7 +10981,7 @@
               </a:rPr>
               <a:t>  }    </a:t>
             </a:r>
-            <a:endParaRPr lang="ko-KR" altLang="ko-KR" sz="1600" kern="100">
+            <a:endParaRPr lang="ko-KR" altLang="ko-KR" sz="1600" kern="100" dirty="0">
               <a:effectLst/>
               <a:latin typeface="D2Coding" panose="020B0609020101020101" pitchFamily="49" charset="-127"/>
               <a:ea typeface="D2Coding" panose="020B0609020101020101" pitchFamily="49" charset="-127"/>
@@ -10965,7 +11001,7 @@
               </a:tabLst>
             </a:pPr>
             <a:r>
-              <a:rPr lang="en-US" altLang="ko-KR" sz="1600" kern="100">
+              <a:rPr lang="en-US" altLang="ko-KR" sz="1600" kern="100" dirty="0">
                 <a:solidFill>
                   <a:srgbClr val="000000"/>
                 </a:solidFill>
